--- a/ghg emission.pptx
+++ b/ghg emission.pptx
@@ -12,8 +12,15 @@
     <p:sldId id="260" r:id="rId6"/>
     <p:sldId id="261" r:id="rId7"/>
     <p:sldId id="262" r:id="rId8"/>
-    <p:sldId id="263" r:id="rId9"/>
-    <p:sldId id="264" r:id="rId10"/>
+    <p:sldId id="265" r:id="rId9"/>
+    <p:sldId id="266" r:id="rId10"/>
+    <p:sldId id="267" r:id="rId11"/>
+    <p:sldId id="268" r:id="rId12"/>
+    <p:sldId id="269" r:id="rId13"/>
+    <p:sldId id="270" r:id="rId14"/>
+    <p:sldId id="272" r:id="rId15"/>
+    <p:sldId id="271" r:id="rId16"/>
+    <p:sldId id="275" r:id="rId17"/>
   </p:sldIdLst>
   <p:sldSz cx="12192000" cy="6858000"/>
   <p:notesSz cx="6858000" cy="9144000"/>
@@ -112,6 +119,11 @@
       </a:defRPr>
     </a:lvl9pPr>
   </p:defaultTextStyle>
+  <p:extLst>
+    <p:ext uri="{EFAFB233-063F-42B5-8137-9DF3F51BA10A}">
+      <p15:sldGuideLst xmlns:p15="http://schemas.microsoft.com/office/powerpoint/2012/main"/>
+    </p:ext>
+  </p:extLst>
 </p:presentation>
 </file>
 
@@ -298,7 +310,7 @@
           <a:p>
             <a:fld id="{A0E5FD14-96B1-41CC-BCFA-0C6D18C1C83E}" type="datetimeFigureOut">
               <a:rPr lang="en-IN" smtClean="0"/>
-              <a:t>02-02-2024</a:t>
+              <a:t>09-02-2024</a:t>
             </a:fld>
             <a:endParaRPr lang="en-IN"/>
           </a:p>
@@ -573,7 +585,7 @@
           <a:p>
             <a:fld id="{A0E5FD14-96B1-41CC-BCFA-0C6D18C1C83E}" type="datetimeFigureOut">
               <a:rPr lang="en-IN" smtClean="0"/>
-              <a:t>02-02-2024</a:t>
+              <a:t>09-02-2024</a:t>
             </a:fld>
             <a:endParaRPr lang="en-IN"/>
           </a:p>
@@ -767,7 +779,7 @@
           <a:p>
             <a:fld id="{A0E5FD14-96B1-41CC-BCFA-0C6D18C1C83E}" type="datetimeFigureOut">
               <a:rPr lang="en-IN" smtClean="0"/>
-              <a:t>02-02-2024</a:t>
+              <a:t>09-02-2024</a:t>
             </a:fld>
             <a:endParaRPr lang="en-IN"/>
           </a:p>
@@ -1035,7 +1047,7 @@
           <a:p>
             <a:fld id="{A0E5FD14-96B1-41CC-BCFA-0C6D18C1C83E}" type="datetimeFigureOut">
               <a:rPr lang="en-IN" smtClean="0"/>
-              <a:t>02-02-2024</a:t>
+              <a:t>09-02-2024</a:t>
             </a:fld>
             <a:endParaRPr lang="en-IN"/>
           </a:p>
@@ -1367,7 +1379,7 @@
           <a:p>
             <a:fld id="{A0E5FD14-96B1-41CC-BCFA-0C6D18C1C83E}" type="datetimeFigureOut">
               <a:rPr lang="en-IN" smtClean="0"/>
-              <a:t>02-02-2024</a:t>
+              <a:t>09-02-2024</a:t>
             </a:fld>
             <a:endParaRPr lang="en-IN"/>
           </a:p>
@@ -1977,7 +1989,7 @@
           <a:p>
             <a:fld id="{A0E5FD14-96B1-41CC-BCFA-0C6D18C1C83E}" type="datetimeFigureOut">
               <a:rPr lang="en-IN" smtClean="0"/>
-              <a:t>02-02-2024</a:t>
+              <a:t>09-02-2024</a:t>
             </a:fld>
             <a:endParaRPr lang="en-IN"/>
           </a:p>
@@ -2824,7 +2836,7 @@
           <a:p>
             <a:fld id="{A0E5FD14-96B1-41CC-BCFA-0C6D18C1C83E}" type="datetimeFigureOut">
               <a:rPr lang="en-IN" smtClean="0"/>
-              <a:t>02-02-2024</a:t>
+              <a:t>09-02-2024</a:t>
             </a:fld>
             <a:endParaRPr lang="en-IN"/>
           </a:p>
@@ -2994,7 +3006,7 @@
           <a:p>
             <a:fld id="{A0E5FD14-96B1-41CC-BCFA-0C6D18C1C83E}" type="datetimeFigureOut">
               <a:rPr lang="en-IN" smtClean="0"/>
-              <a:t>02-02-2024</a:t>
+              <a:t>09-02-2024</a:t>
             </a:fld>
             <a:endParaRPr lang="en-IN"/>
           </a:p>
@@ -3174,7 +3186,7 @@
           <a:p>
             <a:fld id="{A0E5FD14-96B1-41CC-BCFA-0C6D18C1C83E}" type="datetimeFigureOut">
               <a:rPr lang="en-IN" smtClean="0"/>
-              <a:t>02-02-2024</a:t>
+              <a:t>09-02-2024</a:t>
             </a:fld>
             <a:endParaRPr lang="en-IN"/>
           </a:p>
@@ -3344,7 +3356,7 @@
           <a:p>
             <a:fld id="{A0E5FD14-96B1-41CC-BCFA-0C6D18C1C83E}" type="datetimeFigureOut">
               <a:rPr lang="en-IN" smtClean="0"/>
-              <a:t>02-02-2024</a:t>
+              <a:t>09-02-2024</a:t>
             </a:fld>
             <a:endParaRPr lang="en-IN"/>
           </a:p>
@@ -3588,7 +3600,7 @@
           <a:p>
             <a:fld id="{A0E5FD14-96B1-41CC-BCFA-0C6D18C1C83E}" type="datetimeFigureOut">
               <a:rPr lang="en-IN" smtClean="0"/>
-              <a:t>02-02-2024</a:t>
+              <a:t>09-02-2024</a:t>
             </a:fld>
             <a:endParaRPr lang="en-IN"/>
           </a:p>
@@ -3880,7 +3892,7 @@
           <a:p>
             <a:fld id="{A0E5FD14-96B1-41CC-BCFA-0C6D18C1C83E}" type="datetimeFigureOut">
               <a:rPr lang="en-IN" smtClean="0"/>
-              <a:t>02-02-2024</a:t>
+              <a:t>09-02-2024</a:t>
             </a:fld>
             <a:endParaRPr lang="en-IN"/>
           </a:p>
@@ -4318,7 +4330,7 @@
           <a:p>
             <a:fld id="{A0E5FD14-96B1-41CC-BCFA-0C6D18C1C83E}" type="datetimeFigureOut">
               <a:rPr lang="en-IN" smtClean="0"/>
-              <a:t>02-02-2024</a:t>
+              <a:t>09-02-2024</a:t>
             </a:fld>
             <a:endParaRPr lang="en-IN"/>
           </a:p>
@@ -4436,7 +4448,7 @@
           <a:p>
             <a:fld id="{A0E5FD14-96B1-41CC-BCFA-0C6D18C1C83E}" type="datetimeFigureOut">
               <a:rPr lang="en-IN" smtClean="0"/>
-              <a:t>02-02-2024</a:t>
+              <a:t>09-02-2024</a:t>
             </a:fld>
             <a:endParaRPr lang="en-IN"/>
           </a:p>
@@ -4531,7 +4543,7 @@
           <a:p>
             <a:fld id="{A0E5FD14-96B1-41CC-BCFA-0C6D18C1C83E}" type="datetimeFigureOut">
               <a:rPr lang="en-IN" smtClean="0"/>
-              <a:t>02-02-2024</a:t>
+              <a:t>09-02-2024</a:t>
             </a:fld>
             <a:endParaRPr lang="en-IN"/>
           </a:p>
@@ -4810,7 +4822,7 @@
           <a:p>
             <a:fld id="{A0E5FD14-96B1-41CC-BCFA-0C6D18C1C83E}" type="datetimeFigureOut">
               <a:rPr lang="en-IN" smtClean="0"/>
-              <a:t>02-02-2024</a:t>
+              <a:t>09-02-2024</a:t>
             </a:fld>
             <a:endParaRPr lang="en-IN"/>
           </a:p>
@@ -5085,7 +5097,7 @@
           <a:p>
             <a:fld id="{A0E5FD14-96B1-41CC-BCFA-0C6D18C1C83E}" type="datetimeFigureOut">
               <a:rPr lang="en-IN" smtClean="0"/>
-              <a:t>02-02-2024</a:t>
+              <a:t>09-02-2024</a:t>
             </a:fld>
             <a:endParaRPr lang="en-IN"/>
           </a:p>
@@ -5514,7 +5526,7 @@
           <a:p>
             <a:fld id="{A0E5FD14-96B1-41CC-BCFA-0C6D18C1C83E}" type="datetimeFigureOut">
               <a:rPr lang="en-IN" smtClean="0"/>
-              <a:t>02-02-2024</a:t>
+              <a:t>09-02-2024</a:t>
             </a:fld>
             <a:endParaRPr lang="en-IN"/>
           </a:p>
@@ -6119,6 +6131,846 @@
   <p:clrMapOvr>
     <a:masterClrMapping/>
   </p:clrMapOvr>
+  <p:timing>
+    <p:tnLst>
+      <p:par>
+        <p:cTn id="1" dur="indefinite" restart="never" nodeType="tmRoot"/>
+      </p:par>
+    </p:tnLst>
+  </p:timing>
+</p:sld>
+</file>
+
+<file path=ppt/slides/slide10.xml><?xml version="1.0" encoding="utf-8"?>
+<p:sld xmlns:a="http://schemas.openxmlformats.org/drawingml/2006/main" xmlns:r="http://schemas.openxmlformats.org/officeDocument/2006/relationships" xmlns:p="http://schemas.openxmlformats.org/presentationml/2006/main">
+  <p:cSld>
+    <p:spTree>
+      <p:nvGrpSpPr>
+        <p:cNvPr id="1" name=""/>
+        <p:cNvGrpSpPr/>
+        <p:nvPr/>
+      </p:nvGrpSpPr>
+      <p:grpSpPr>
+        <a:xfrm>
+          <a:off x="0" y="0"/>
+          <a:ext cx="0" cy="0"/>
+          <a:chOff x="0" y="0"/>
+          <a:chExt cx="0" cy="0"/>
+        </a:xfrm>
+      </p:grpSpPr>
+      <p:sp>
+        <p:nvSpPr>
+          <p:cNvPr id="2" name="Title 1"/>
+          <p:cNvSpPr>
+            <a:spLocks noGrp="1"/>
+          </p:cNvSpPr>
+          <p:nvPr>
+            <p:ph type="title"/>
+          </p:nvPr>
+        </p:nvSpPr>
+        <p:spPr/>
+        <p:txBody>
+          <a:bodyPr/>
+          <a:lstStyle/>
+          <a:p>
+            <a:pPr algn="ctr"/>
+            <a:r>
+              <a:rPr lang="en-US" b="1" dirty="0"/>
+              <a:t>Contribution of GHG Emissions by School Board</a:t>
+            </a:r>
+            <a:endParaRPr lang="en-IN" dirty="0"/>
+          </a:p>
+        </p:txBody>
+      </p:sp>
+      <p:sp>
+        <p:nvSpPr>
+          <p:cNvPr id="3" name="Content Placeholder 2"/>
+          <p:cNvSpPr>
+            <a:spLocks noGrp="1"/>
+          </p:cNvSpPr>
+          <p:nvPr>
+            <p:ph idx="1"/>
+          </p:nvPr>
+        </p:nvSpPr>
+        <p:spPr/>
+        <p:txBody>
+          <a:bodyPr/>
+          <a:lstStyle/>
+          <a:p>
+            <a:r>
+              <a:rPr lang="en-US" dirty="0"/>
+              <a:t>﻿School Board in Year 2013 made up 82.66% of Average of GHG Emissions KG.﻿﻿ ﻿﻿</a:t>
+            </a:r>
+          </a:p>
+          <a:p>
+            <a:r>
+              <a:rPr lang="en-US" dirty="0" smtClean="0">
+                <a:solidFill>
+                  <a:srgbClr val="FFFF00"/>
+                </a:solidFill>
+              </a:rPr>
+              <a:t>This </a:t>
+            </a:r>
+            <a:r>
+              <a:rPr lang="en-US" dirty="0">
+                <a:solidFill>
+                  <a:srgbClr val="FFFF00"/>
+                </a:solidFill>
+              </a:rPr>
+              <a:t>highlights the significant impact of educational institutions on GHG emissions and the importance of implementing sustainable practices in schools.</a:t>
+            </a:r>
+            <a:endParaRPr lang="en-IN" dirty="0">
+              <a:solidFill>
+                <a:srgbClr val="FFFF00"/>
+              </a:solidFill>
+            </a:endParaRPr>
+          </a:p>
+        </p:txBody>
+      </p:sp>
+    </p:spTree>
+    <p:extLst>
+      <p:ext uri="{BB962C8B-B14F-4D97-AF65-F5344CB8AC3E}">
+        <p14:creationId xmlns:p14="http://schemas.microsoft.com/office/powerpoint/2010/main" val="1216281022"/>
+      </p:ext>
+    </p:extLst>
+  </p:cSld>
+  <p:clrMapOvr>
+    <a:masterClrMapping/>
+  </p:clrMapOvr>
+  <p:timing>
+    <p:tnLst>
+      <p:par>
+        <p:cTn id="1" dur="indefinite" restart="never" nodeType="tmRoot"/>
+      </p:par>
+    </p:tnLst>
+  </p:timing>
+</p:sld>
+</file>
+
+<file path=ppt/slides/slide11.xml><?xml version="1.0" encoding="utf-8"?>
+<p:sld xmlns:a="http://schemas.openxmlformats.org/drawingml/2006/main" xmlns:r="http://schemas.openxmlformats.org/officeDocument/2006/relationships" xmlns:p="http://schemas.openxmlformats.org/presentationml/2006/main">
+  <p:cSld>
+    <p:spTree>
+      <p:nvGrpSpPr>
+        <p:cNvPr id="1" name=""/>
+        <p:cNvGrpSpPr/>
+        <p:nvPr/>
+      </p:nvGrpSpPr>
+      <p:grpSpPr>
+        <a:xfrm>
+          <a:off x="0" y="0"/>
+          <a:ext cx="0" cy="0"/>
+          <a:chOff x="0" y="0"/>
+          <a:chExt cx="0" cy="0"/>
+        </a:xfrm>
+      </p:grpSpPr>
+      <p:sp>
+        <p:nvSpPr>
+          <p:cNvPr id="2" name="Title 1"/>
+          <p:cNvSpPr>
+            <a:spLocks noGrp="1"/>
+          </p:cNvSpPr>
+          <p:nvPr>
+            <p:ph type="title"/>
+          </p:nvPr>
+        </p:nvSpPr>
+        <p:spPr/>
+        <p:txBody>
+          <a:bodyPr/>
+          <a:lstStyle/>
+          <a:p>
+            <a:pPr algn="ctr"/>
+            <a:r>
+              <a:rPr lang="en-US" b="1" dirty="0"/>
+              <a:t>Range of GHG Emissions Across Cities</a:t>
+            </a:r>
+            <a:endParaRPr lang="en-IN" dirty="0"/>
+          </a:p>
+        </p:txBody>
+      </p:sp>
+      <p:sp>
+        <p:nvSpPr>
+          <p:cNvPr id="3" name="Content Placeholder 2"/>
+          <p:cNvSpPr>
+            <a:spLocks noGrp="1"/>
+          </p:cNvSpPr>
+          <p:nvPr>
+            <p:ph idx="1"/>
+          </p:nvPr>
+        </p:nvSpPr>
+        <p:spPr/>
+        <p:txBody>
+          <a:bodyPr/>
+          <a:lstStyle/>
+          <a:p>
+            <a:r>
+              <a:rPr lang="en-US" dirty="0"/>
+              <a:t>﻿﻿Across all 10 City, Average of GHG Emissions KG ranged from 18,26,267.51 to 97,32,45,745.73.﻿﻿</a:t>
+            </a:r>
+            <a:endParaRPr lang="en-US" dirty="0" smtClean="0"/>
+          </a:p>
+          <a:p>
+            <a:r>
+              <a:rPr lang="en-US" dirty="0"/>
+              <a:t>At 97,32,45,745.73, Timiskaming Shores had the highest Average of GHG Emissions KG and was 53,191.52% higher than Weston, which had the lowest Average of GHG Emissions KG at 18,26,267.51.﻿﻿</a:t>
+            </a:r>
+            <a:endParaRPr lang="en-US" dirty="0" smtClean="0"/>
+          </a:p>
+          <a:p>
+            <a:r>
+              <a:rPr lang="en-US" dirty="0"/>
+              <a:t>This wide range indicates disparities in GHG emissions levels across different cities, possibly </a:t>
+            </a:r>
+            <a:r>
+              <a:rPr lang="en-US" dirty="0">
+                <a:solidFill>
+                  <a:srgbClr val="FFFF00"/>
+                </a:solidFill>
+              </a:rPr>
+              <a:t>due to variations in population density, industrial activities, and transportation infrastructure.</a:t>
+            </a:r>
+            <a:endParaRPr lang="en-IN" dirty="0">
+              <a:solidFill>
+                <a:srgbClr val="FFFF00"/>
+              </a:solidFill>
+            </a:endParaRPr>
+          </a:p>
+        </p:txBody>
+      </p:sp>
+    </p:spTree>
+    <p:extLst>
+      <p:ext uri="{BB962C8B-B14F-4D97-AF65-F5344CB8AC3E}">
+        <p14:creationId xmlns:p14="http://schemas.microsoft.com/office/powerpoint/2010/main" val="3577133309"/>
+      </p:ext>
+    </p:extLst>
+  </p:cSld>
+  <p:clrMapOvr>
+    <a:masterClrMapping/>
+  </p:clrMapOvr>
+  <p:timing>
+    <p:tnLst>
+      <p:par>
+        <p:cTn id="1" dur="indefinite" restart="never" nodeType="tmRoot"/>
+      </p:par>
+    </p:tnLst>
+  </p:timing>
+</p:sld>
+</file>
+
+<file path=ppt/slides/slide12.xml><?xml version="1.0" encoding="utf-8"?>
+<p:sld xmlns:a="http://schemas.openxmlformats.org/drawingml/2006/main" xmlns:r="http://schemas.openxmlformats.org/officeDocument/2006/relationships" xmlns:p="http://schemas.openxmlformats.org/presentationml/2006/main">
+  <p:cSld>
+    <p:spTree>
+      <p:nvGrpSpPr>
+        <p:cNvPr id="1" name=""/>
+        <p:cNvGrpSpPr/>
+        <p:nvPr/>
+      </p:nvGrpSpPr>
+      <p:grpSpPr>
+        <a:xfrm>
+          <a:off x="0" y="0"/>
+          <a:ext cx="0" cy="0"/>
+          <a:chOff x="0" y="0"/>
+          <a:chExt cx="0" cy="0"/>
+        </a:xfrm>
+      </p:grpSpPr>
+      <p:sp>
+        <p:nvSpPr>
+          <p:cNvPr id="2" name="Title 1"/>
+          <p:cNvSpPr>
+            <a:spLocks noGrp="1"/>
+          </p:cNvSpPr>
+          <p:nvPr>
+            <p:ph type="title"/>
+          </p:nvPr>
+        </p:nvSpPr>
+        <p:spPr/>
+        <p:txBody>
+          <a:bodyPr/>
+          <a:lstStyle/>
+          <a:p>
+            <a:pPr algn="ctr"/>
+            <a:r>
+              <a:rPr lang="en-US" b="1" dirty="0"/>
+              <a:t>Contribution of Street Lighting to Weekly Average Hours</a:t>
+            </a:r>
+            <a:endParaRPr lang="en-IN" dirty="0"/>
+          </a:p>
+        </p:txBody>
+      </p:sp>
+      <p:sp>
+        <p:nvSpPr>
+          <p:cNvPr id="3" name="Content Placeholder 2"/>
+          <p:cNvSpPr>
+            <a:spLocks noGrp="1"/>
+          </p:cNvSpPr>
+          <p:nvPr>
+            <p:ph idx="1"/>
+          </p:nvPr>
+        </p:nvSpPr>
+        <p:spPr/>
+        <p:txBody>
+          <a:bodyPr/>
+          <a:lstStyle/>
+          <a:p>
+            <a:r>
+              <a:rPr lang="en-US" dirty="0"/>
+              <a:t>﻿Street lighting in Year 2015 made up 2.99% of Average of Weekly Average Hours.﻿﻿ ﻿</a:t>
+            </a:r>
+          </a:p>
+          <a:p>
+            <a:r>
+              <a:rPr lang="en-US" dirty="0"/>
+              <a:t>This suggests that </a:t>
+            </a:r>
+            <a:r>
+              <a:rPr lang="en-US" dirty="0">
+                <a:solidFill>
+                  <a:srgbClr val="FFFF00"/>
+                </a:solidFill>
+              </a:rPr>
+              <a:t>street lighting plays a relatively minor role in overall energy consumption compared to other sectors</a:t>
+            </a:r>
+            <a:r>
+              <a:rPr lang="en-US" dirty="0" smtClean="0">
+                <a:solidFill>
+                  <a:srgbClr val="FFFF00"/>
+                </a:solidFill>
+              </a:rPr>
+              <a:t>.</a:t>
+            </a:r>
+          </a:p>
+          <a:p>
+            <a:r>
+              <a:rPr lang="en-US" dirty="0"/>
+              <a:t>O</a:t>
+            </a:r>
+            <a:r>
+              <a:rPr lang="en-US" dirty="0" smtClean="0"/>
+              <a:t>ptimizing </a:t>
+            </a:r>
+            <a:r>
+              <a:rPr lang="en-US" dirty="0"/>
+              <a:t>street lighting systems with energy-efficient technologies can still contribute to energy savings and environmental sustainability.</a:t>
+            </a:r>
+            <a:endParaRPr lang="en-IN" dirty="0">
+              <a:solidFill>
+                <a:srgbClr val="FFFF00"/>
+              </a:solidFill>
+            </a:endParaRPr>
+          </a:p>
+        </p:txBody>
+      </p:sp>
+    </p:spTree>
+    <p:extLst>
+      <p:ext uri="{BB962C8B-B14F-4D97-AF65-F5344CB8AC3E}">
+        <p14:creationId xmlns:p14="http://schemas.microsoft.com/office/powerpoint/2010/main" val="1093770326"/>
+      </p:ext>
+    </p:extLst>
+  </p:cSld>
+  <p:clrMapOvr>
+    <a:masterClrMapping/>
+  </p:clrMapOvr>
+  <p:timing>
+    <p:tnLst>
+      <p:par>
+        <p:cTn id="1" dur="indefinite" restart="never" nodeType="tmRoot"/>
+      </p:par>
+    </p:tnLst>
+  </p:timing>
+</p:sld>
+</file>
+
+<file path=ppt/slides/slide13.xml><?xml version="1.0" encoding="utf-8"?>
+<p:sld xmlns:a="http://schemas.openxmlformats.org/drawingml/2006/main" xmlns:r="http://schemas.openxmlformats.org/officeDocument/2006/relationships" xmlns:p="http://schemas.openxmlformats.org/presentationml/2006/main">
+  <p:cSld>
+    <p:spTree>
+      <p:nvGrpSpPr>
+        <p:cNvPr id="1" name=""/>
+        <p:cNvGrpSpPr/>
+        <p:nvPr/>
+      </p:nvGrpSpPr>
+      <p:grpSpPr>
+        <a:xfrm>
+          <a:off x="0" y="0"/>
+          <a:ext cx="0" cy="0"/>
+          <a:chOff x="0" y="0"/>
+          <a:chExt cx="0" cy="0"/>
+        </a:xfrm>
+      </p:grpSpPr>
+      <p:sp>
+        <p:nvSpPr>
+          <p:cNvPr id="2" name="Title 1"/>
+          <p:cNvSpPr>
+            <a:spLocks noGrp="1"/>
+          </p:cNvSpPr>
+          <p:nvPr>
+            <p:ph type="title"/>
+          </p:nvPr>
+        </p:nvSpPr>
+        <p:spPr/>
+        <p:txBody>
+          <a:bodyPr/>
+          <a:lstStyle/>
+          <a:p>
+            <a:pPr algn="ctr"/>
+            <a:r>
+              <a:rPr lang="en-US" b="1" dirty="0"/>
+              <a:t>Variability in Weekly Average Hours Across Sectors</a:t>
+            </a:r>
+            <a:endParaRPr lang="en-IN" dirty="0"/>
+          </a:p>
+        </p:txBody>
+      </p:sp>
+      <p:sp>
+        <p:nvSpPr>
+          <p:cNvPr id="3" name="Content Placeholder 2"/>
+          <p:cNvSpPr>
+            <a:spLocks noGrp="1"/>
+          </p:cNvSpPr>
+          <p:nvPr>
+            <p:ph idx="1"/>
+          </p:nvPr>
+        </p:nvSpPr>
+        <p:spPr/>
+        <p:txBody>
+          <a:bodyPr/>
+          <a:lstStyle/>
+          <a:p>
+            <a:r>
+              <a:rPr lang="en-US" dirty="0"/>
+              <a:t>Public Hospital had the highest Average of Weekly Average Hours and was 108.50% higher than School Board, which had the lowest Average of Weekly Average Hours at 61.11.﻿﻿ ﻿﻿</a:t>
+            </a:r>
+          </a:p>
+          <a:p>
+            <a:r>
+              <a:rPr lang="en-US" dirty="0"/>
+              <a:t>﻿﻿﻿Across all 7 Sector, Average of Weekly Average Hours ranged from 61.11 to 127.41.﻿﻿ ﻿﻿ ﻿</a:t>
+            </a:r>
+          </a:p>
+          <a:p>
+            <a:r>
+              <a:rPr lang="en-US" dirty="0"/>
+              <a:t>This variability indicates </a:t>
+            </a:r>
+            <a:r>
+              <a:rPr lang="en-US" dirty="0">
+                <a:solidFill>
+                  <a:srgbClr val="FFFF00"/>
+                </a:solidFill>
+              </a:rPr>
+              <a:t>differences in energy usage patterns across different sectors</a:t>
+            </a:r>
+            <a:r>
+              <a:rPr lang="en-US" dirty="0"/>
+              <a:t>, with some sectors requiring more energy for operational purposes</a:t>
+            </a:r>
+            <a:r>
+              <a:rPr lang="en-US" dirty="0" smtClean="0"/>
+              <a:t>.</a:t>
+            </a:r>
+          </a:p>
+          <a:p>
+            <a:r>
+              <a:rPr lang="en-US" dirty="0"/>
+              <a:t>It is essential to understand the specific needs and characteristics of each sector to </a:t>
+            </a:r>
+            <a:r>
+              <a:rPr lang="en-US" dirty="0">
+                <a:solidFill>
+                  <a:srgbClr val="FFFF00"/>
+                </a:solidFill>
+              </a:rPr>
+              <a:t>develop targeted strategies for energy management and sustainability initiatives</a:t>
+            </a:r>
+            <a:r>
+              <a:rPr lang="en-US" dirty="0"/>
+              <a:t>.</a:t>
+            </a:r>
+            <a:endParaRPr lang="en-IN" dirty="0">
+              <a:solidFill>
+                <a:srgbClr val="FFFF00"/>
+              </a:solidFill>
+            </a:endParaRPr>
+          </a:p>
+        </p:txBody>
+      </p:sp>
+    </p:spTree>
+    <p:extLst>
+      <p:ext uri="{BB962C8B-B14F-4D97-AF65-F5344CB8AC3E}">
+        <p14:creationId xmlns:p14="http://schemas.microsoft.com/office/powerpoint/2010/main" val="81664097"/>
+      </p:ext>
+    </p:extLst>
+  </p:cSld>
+  <p:clrMapOvr>
+    <a:masterClrMapping/>
+  </p:clrMapOvr>
+  <p:timing>
+    <p:tnLst>
+      <p:par>
+        <p:cTn id="1" dur="indefinite" restart="never" nodeType="tmRoot"/>
+      </p:par>
+    </p:tnLst>
+  </p:timing>
+</p:sld>
+</file>
+
+<file path=ppt/slides/slide14.xml><?xml version="1.0" encoding="utf-8"?>
+<p:sld xmlns:a="http://schemas.openxmlformats.org/drawingml/2006/main" xmlns:r="http://schemas.openxmlformats.org/officeDocument/2006/relationships" xmlns:p="http://schemas.openxmlformats.org/presentationml/2006/main">
+  <p:cSld>
+    <p:spTree>
+      <p:nvGrpSpPr>
+        <p:cNvPr id="1" name=""/>
+        <p:cNvGrpSpPr/>
+        <p:nvPr/>
+      </p:nvGrpSpPr>
+      <p:grpSpPr>
+        <a:xfrm>
+          <a:off x="0" y="0"/>
+          <a:ext cx="0" cy="0"/>
+          <a:chOff x="0" y="0"/>
+          <a:chExt cx="0" cy="0"/>
+        </a:xfrm>
+      </p:grpSpPr>
+      <p:sp>
+        <p:nvSpPr>
+          <p:cNvPr id="2" name="Title 1"/>
+          <p:cNvSpPr>
+            <a:spLocks noGrp="1"/>
+          </p:cNvSpPr>
+          <p:nvPr>
+            <p:ph type="title"/>
+          </p:nvPr>
+        </p:nvSpPr>
+        <p:spPr/>
+        <p:txBody>
+          <a:bodyPr/>
+          <a:lstStyle/>
+          <a:p>
+            <a:pPr algn="ctr"/>
+            <a:r>
+              <a:rPr lang="en-IN" b="1" dirty="0"/>
+              <a:t>Spatial Variability</a:t>
+            </a:r>
+            <a:endParaRPr lang="en-IN" dirty="0"/>
+          </a:p>
+        </p:txBody>
+      </p:sp>
+      <p:sp>
+        <p:nvSpPr>
+          <p:cNvPr id="3" name="Content Placeholder 2"/>
+          <p:cNvSpPr>
+            <a:spLocks noGrp="1"/>
+          </p:cNvSpPr>
+          <p:nvPr>
+            <p:ph idx="1"/>
+          </p:nvPr>
+        </p:nvSpPr>
+        <p:spPr/>
+        <p:txBody>
+          <a:bodyPr/>
+          <a:lstStyle/>
+          <a:p>
+            <a:r>
+              <a:rPr lang="en-US" dirty="0"/>
+              <a:t>There is significant spatial variability in energy usage and greenhouse gas emissions across different municipalities, sectors, organizations, and cities. </a:t>
+            </a:r>
+            <a:endParaRPr lang="en-US" dirty="0" smtClean="0"/>
+          </a:p>
+          <a:p>
+            <a:r>
+              <a:rPr lang="en-US" dirty="0" smtClean="0"/>
+              <a:t>Understanding </a:t>
+            </a:r>
+            <a:r>
+              <a:rPr lang="en-US" dirty="0"/>
+              <a:t>these spatial patterns can help identify areas with high energy consumption and </a:t>
+            </a:r>
+            <a:r>
+              <a:rPr lang="en-US" dirty="0">
+                <a:solidFill>
+                  <a:srgbClr val="FFFF00"/>
+                </a:solidFill>
+              </a:rPr>
+              <a:t>prioritize efforts for energy efficiency improvements and emissions reductions</a:t>
+            </a:r>
+            <a:r>
+              <a:rPr lang="en-US" dirty="0"/>
+              <a:t>.</a:t>
+            </a:r>
+            <a:endParaRPr lang="en-IN" dirty="0"/>
+          </a:p>
+        </p:txBody>
+      </p:sp>
+    </p:spTree>
+    <p:extLst>
+      <p:ext uri="{BB962C8B-B14F-4D97-AF65-F5344CB8AC3E}">
+        <p14:creationId xmlns:p14="http://schemas.microsoft.com/office/powerpoint/2010/main" val="913791819"/>
+      </p:ext>
+    </p:extLst>
+  </p:cSld>
+  <p:clrMapOvr>
+    <a:masterClrMapping/>
+  </p:clrMapOvr>
+  <p:timing>
+    <p:tnLst>
+      <p:par>
+        <p:cTn id="1" dur="indefinite" restart="never" nodeType="tmRoot"/>
+      </p:par>
+    </p:tnLst>
+  </p:timing>
+</p:sld>
+</file>
+
+<file path=ppt/slides/slide15.xml><?xml version="1.0" encoding="utf-8"?>
+<p:sld xmlns:a="http://schemas.openxmlformats.org/drawingml/2006/main" xmlns:r="http://schemas.openxmlformats.org/officeDocument/2006/relationships" xmlns:p="http://schemas.openxmlformats.org/presentationml/2006/main">
+  <p:cSld>
+    <p:spTree>
+      <p:nvGrpSpPr>
+        <p:cNvPr id="1" name=""/>
+        <p:cNvGrpSpPr/>
+        <p:nvPr/>
+      </p:nvGrpSpPr>
+      <p:grpSpPr>
+        <a:xfrm>
+          <a:off x="0" y="0"/>
+          <a:ext cx="0" cy="0"/>
+          <a:chOff x="0" y="0"/>
+          <a:chExt cx="0" cy="0"/>
+        </a:xfrm>
+      </p:grpSpPr>
+      <p:sp>
+        <p:nvSpPr>
+          <p:cNvPr id="2" name="Title 1"/>
+          <p:cNvSpPr>
+            <a:spLocks noGrp="1"/>
+          </p:cNvSpPr>
+          <p:nvPr>
+            <p:ph type="title"/>
+          </p:nvPr>
+        </p:nvSpPr>
+        <p:spPr/>
+        <p:txBody>
+          <a:bodyPr/>
+          <a:lstStyle/>
+          <a:p>
+            <a:pPr algn="ctr"/>
+            <a:r>
+              <a:rPr lang="en-IN" b="1" dirty="0"/>
+              <a:t>Future Directions</a:t>
+            </a:r>
+            <a:endParaRPr lang="en-IN" dirty="0"/>
+          </a:p>
+        </p:txBody>
+      </p:sp>
+      <p:sp>
+        <p:nvSpPr>
+          <p:cNvPr id="3" name="Content Placeholder 2"/>
+          <p:cNvSpPr>
+            <a:spLocks noGrp="1"/>
+          </p:cNvSpPr>
+          <p:nvPr>
+            <p:ph idx="1"/>
+          </p:nvPr>
+        </p:nvSpPr>
+        <p:spPr/>
+        <p:txBody>
+          <a:bodyPr/>
+          <a:lstStyle/>
+          <a:p>
+            <a:r>
+              <a:rPr lang="en-US" dirty="0"/>
+              <a:t>Implementing </a:t>
+            </a:r>
+            <a:r>
+              <a:rPr lang="en-US" dirty="0">
+                <a:solidFill>
+                  <a:srgbClr val="FFFF00"/>
+                </a:solidFill>
+              </a:rPr>
+              <a:t>data-driven energy management strategies</a:t>
+            </a:r>
+            <a:r>
+              <a:rPr lang="en-US" dirty="0"/>
+              <a:t> to identify opportunities for efficiency improvements.</a:t>
+            </a:r>
+          </a:p>
+          <a:p>
+            <a:r>
+              <a:rPr lang="en-US" dirty="0"/>
+              <a:t>Promoting </a:t>
+            </a:r>
+            <a:r>
+              <a:rPr lang="en-US" dirty="0">
+                <a:solidFill>
+                  <a:srgbClr val="FFFF00"/>
+                </a:solidFill>
+              </a:rPr>
+              <a:t>renewable energy adoption and low-carbon technologies </a:t>
+            </a:r>
+            <a:r>
+              <a:rPr lang="en-US" dirty="0"/>
+              <a:t>to reduce reliance on fossil fuels.</a:t>
+            </a:r>
+          </a:p>
+          <a:p>
+            <a:r>
+              <a:rPr lang="en-US" dirty="0">
+                <a:solidFill>
+                  <a:srgbClr val="FFFF00"/>
+                </a:solidFill>
+              </a:rPr>
+              <a:t>Enhancing collaboration</a:t>
+            </a:r>
+            <a:r>
+              <a:rPr lang="en-US" dirty="0"/>
+              <a:t> between municipalities, organizations, and cities to share best practices and address common challenges.</a:t>
+            </a:r>
+          </a:p>
+          <a:p>
+            <a:r>
+              <a:rPr lang="en-US" dirty="0"/>
+              <a:t>Engaging stakeholders and communities in </a:t>
+            </a:r>
+            <a:r>
+              <a:rPr lang="en-US" dirty="0">
+                <a:solidFill>
+                  <a:srgbClr val="FFFF00"/>
+                </a:solidFill>
+              </a:rPr>
+              <a:t>energy conservation initiatives and fostering a culture of sustainability</a:t>
+            </a:r>
+            <a:r>
+              <a:rPr lang="en-US" dirty="0"/>
+              <a:t>.</a:t>
+            </a:r>
+          </a:p>
+          <a:p>
+            <a:r>
+              <a:rPr lang="en-US" dirty="0">
+                <a:solidFill>
+                  <a:srgbClr val="FFFF00"/>
+                </a:solidFill>
+              </a:rPr>
+              <a:t>Monitoring and evaluating the effectiveness of energy efficiency programs </a:t>
+            </a:r>
+            <a:r>
+              <a:rPr lang="en-US" dirty="0"/>
+              <a:t>to ensure continuous improvement and progress towards sustainability goals.</a:t>
+            </a:r>
+          </a:p>
+          <a:p>
+            <a:endParaRPr lang="en-IN" dirty="0"/>
+          </a:p>
+        </p:txBody>
+      </p:sp>
+    </p:spTree>
+    <p:extLst>
+      <p:ext uri="{BB962C8B-B14F-4D97-AF65-F5344CB8AC3E}">
+        <p14:creationId xmlns:p14="http://schemas.microsoft.com/office/powerpoint/2010/main" val="2059465592"/>
+      </p:ext>
+    </p:extLst>
+  </p:cSld>
+  <p:clrMapOvr>
+    <a:masterClrMapping/>
+  </p:clrMapOvr>
+  <p:timing>
+    <p:tnLst>
+      <p:par>
+        <p:cTn id="1" dur="indefinite" restart="never" nodeType="tmRoot"/>
+      </p:par>
+    </p:tnLst>
+  </p:timing>
+</p:sld>
+</file>
+
+<file path=ppt/slides/slide16.xml><?xml version="1.0" encoding="utf-8"?>
+<p:sld xmlns:a="http://schemas.openxmlformats.org/drawingml/2006/main" xmlns:r="http://schemas.openxmlformats.org/officeDocument/2006/relationships" xmlns:p="http://schemas.openxmlformats.org/presentationml/2006/main">
+  <p:cSld>
+    <p:spTree>
+      <p:nvGrpSpPr>
+        <p:cNvPr id="1" name=""/>
+        <p:cNvGrpSpPr/>
+        <p:nvPr/>
+      </p:nvGrpSpPr>
+      <p:grpSpPr>
+        <a:xfrm>
+          <a:off x="0" y="0"/>
+          <a:ext cx="0" cy="0"/>
+          <a:chOff x="0" y="0"/>
+          <a:chExt cx="0" cy="0"/>
+        </a:xfrm>
+      </p:grpSpPr>
+      <p:pic>
+        <p:nvPicPr>
+          <p:cNvPr id="2" name="Picture 1"/>
+          <p:cNvPicPr>
+            <a:picLocks noChangeAspect="1"/>
+          </p:cNvPicPr>
+          <p:nvPr/>
+        </p:nvPicPr>
+        <p:blipFill>
+          <a:blip r:embed="rId2">
+            <a:extLst>
+              <a:ext uri="{28A0092B-C50C-407E-A947-70E740481C1C}">
+                <a14:useLocalDpi xmlns:a14="http://schemas.microsoft.com/office/drawing/2010/main" val="0"/>
+              </a:ext>
+            </a:extLst>
+          </a:blip>
+          <a:stretch>
+            <a:fillRect/>
+          </a:stretch>
+        </p:blipFill>
+        <p:spPr>
+          <a:xfrm>
+            <a:off x="2452030" y="526500"/>
+            <a:ext cx="4297167" cy="4975666"/>
+          </a:xfrm>
+          <a:prstGeom prst="rect">
+            <a:avLst/>
+          </a:prstGeom>
+        </p:spPr>
+      </p:pic>
+      <p:pic>
+        <p:nvPicPr>
+          <p:cNvPr id="3" name="Picture 2"/>
+          <p:cNvPicPr>
+            <a:picLocks noChangeAspect="1"/>
+          </p:cNvPicPr>
+          <p:nvPr/>
+        </p:nvPicPr>
+        <p:blipFill>
+          <a:blip r:embed="rId3">
+            <a:extLst>
+              <a:ext uri="{28A0092B-C50C-407E-A947-70E740481C1C}">
+                <a14:useLocalDpi xmlns:a14="http://schemas.microsoft.com/office/drawing/2010/main" val="0"/>
+              </a:ext>
+            </a:extLst>
+          </a:blip>
+          <a:stretch>
+            <a:fillRect/>
+          </a:stretch>
+        </p:blipFill>
+        <p:spPr>
+          <a:xfrm>
+            <a:off x="7436560" y="3716964"/>
+            <a:ext cx="2782123" cy="2782123"/>
+          </a:xfrm>
+          <a:prstGeom prst="rect">
+            <a:avLst/>
+          </a:prstGeom>
+        </p:spPr>
+      </p:pic>
+    </p:spTree>
+    <p:extLst>
+      <p:ext uri="{BB962C8B-B14F-4D97-AF65-F5344CB8AC3E}">
+        <p14:creationId xmlns:p14="http://schemas.microsoft.com/office/powerpoint/2010/main" val="4249517369"/>
+      </p:ext>
+    </p:extLst>
+  </p:cSld>
+  <p:clrMapOvr>
+    <a:masterClrMapping/>
+  </p:clrMapOvr>
 </p:sld>
 </file>
 
@@ -6215,6 +7067,13 @@
   <p:clrMapOvr>
     <a:masterClrMapping/>
   </p:clrMapOvr>
+  <p:timing>
+    <p:tnLst>
+      <p:par>
+        <p:cTn id="1" dur="indefinite" restart="never" nodeType="tmRoot"/>
+      </p:par>
+    </p:tnLst>
+  </p:timing>
 </p:sld>
 </file>
 
@@ -6332,6 +7191,13 @@
   <p:clrMapOvr>
     <a:masterClrMapping/>
   </p:clrMapOvr>
+  <p:timing>
+    <p:tnLst>
+      <p:par>
+        <p:cTn id="1" dur="indefinite" restart="never" nodeType="tmRoot"/>
+      </p:par>
+    </p:tnLst>
+  </p:timing>
 </p:sld>
 </file>
 
@@ -6442,6 +7308,13 @@
   <p:clrMapOvr>
     <a:masterClrMapping/>
   </p:clrMapOvr>
+  <p:timing>
+    <p:tnLst>
+      <p:par>
+        <p:cTn id="1" dur="indefinite" restart="never" nodeType="tmRoot"/>
+      </p:par>
+    </p:tnLst>
+  </p:timing>
 </p:sld>
 </file>
 
@@ -6584,6 +7457,13 @@
   <p:clrMapOvr>
     <a:masterClrMapping/>
   </p:clrMapOvr>
+  <p:timing>
+    <p:tnLst>
+      <p:par>
+        <p:cTn id="1" dur="indefinite" restart="never" nodeType="tmRoot"/>
+      </p:par>
+    </p:tnLst>
+  </p:timing>
 </p:sld>
 </file>
 
@@ -6667,6 +7547,13 @@
   <p:clrMapOvr>
     <a:masterClrMapping/>
   </p:clrMapOvr>
+  <p:timing>
+    <p:tnLst>
+      <p:par>
+        <p:cTn id="1" dur="indefinite" restart="never" nodeType="tmRoot"/>
+      </p:par>
+    </p:tnLst>
+  </p:timing>
 </p:sld>
 </file>
 
@@ -6750,6 +7637,13 @@
   <p:clrMapOvr>
     <a:masterClrMapping/>
   </p:clrMapOvr>
+  <p:timing>
+    <p:tnLst>
+      <p:par>
+        <p:cTn id="1" dur="indefinite" restart="never" nodeType="tmRoot"/>
+      </p:par>
+    </p:tnLst>
+  </p:timing>
 </p:sld>
 </file>
 
@@ -6787,10 +7681,14 @@
           <a:p>
             <a:pPr algn="ctr"/>
             <a:r>
+              <a:rPr lang="en-US" b="1" dirty="0"/>
+              <a:t>Variability in Annual Flow (M</a:t>
+            </a:r>
+            <a:r>
               <a:rPr lang="en-US" b="1" dirty="0" smtClean="0"/>
-              <a:t>Conclusion</a:t>
-            </a:r>
-            <a:endParaRPr lang="en-IN" b="1" dirty="0"/>
+              <a:t>)</a:t>
+            </a:r>
+            <a:endParaRPr lang="en-IN" dirty="0"/>
           </a:p>
         </p:txBody>
       </p:sp>
@@ -6804,54 +7702,101 @@
             <p:ph idx="1"/>
           </p:nvPr>
         </p:nvSpPr>
-        <p:spPr/>
-        <p:txBody>
-          <a:bodyPr/>
-          <a:lstStyle/>
+        <p:spPr>
+          <a:xfrm>
+            <a:off x="1103312" y="1450428"/>
+            <a:ext cx="8946541" cy="4797971"/>
+          </a:xfrm>
+        </p:spPr>
+        <p:txBody>
+          <a:bodyPr>
+            <a:normAutofit/>
+          </a:bodyPr>
+          <a:lstStyle/>
+          <a:p>
+            <a:r>
+              <a:rPr lang="en-US" dirty="0"/>
+              <a:t>Average of Annual Flow (M) was highest for Municipality at 1,17,587.10, followed by Municipal and Hospital.﻿﻿ ﻿﻿ ﻿﻿Across all 7 Sector, Average of Annual Flow (M) ranged from 0.00 to 1,17,587.10</a:t>
+            </a:r>
+            <a:endParaRPr lang="en-US" dirty="0" smtClean="0"/>
+          </a:p>
           <a:p>
             <a:r>
               <a:rPr lang="en-US" dirty="0" smtClean="0"/>
-              <a:t>Average </a:t>
+              <a:t>The </a:t>
             </a:r>
             <a:r>
               <a:rPr lang="en-US" dirty="0"/>
-              <a:t>of Annual Flow (M) was highest for Municipality at 1,17,587.10, followed by Municipal and Hospital.﻿﻿ ﻿﻿ ﻿﻿Across all 7 Sector, Average of Annual Flow (M) ranged from 0.00 to 1,17,587.10.﻿﻿ ﻿﻿ ﻿</a:t>
+              <a:t>average annual flow (M) varies significantly across different municipalities, with the highest average being 1,17,587.10 for Municipality, followed by Municipal and Hospital. </a:t>
             </a:r>
             <a:endParaRPr lang="en-US" dirty="0" smtClean="0"/>
           </a:p>
           <a:p>
             <a:r>
+              <a:rPr lang="en-US" dirty="0" smtClean="0">
+                <a:solidFill>
+                  <a:srgbClr val="FFFF00"/>
+                </a:solidFill>
+              </a:rPr>
+              <a:t>This </a:t>
+            </a:r>
+            <a:r>
+              <a:rPr lang="en-US" dirty="0">
+                <a:solidFill>
+                  <a:srgbClr val="FFFF00"/>
+                </a:solidFill>
+              </a:rPr>
+              <a:t>suggests that certain municipalities may have higher energy consumption needs compared to others</a:t>
+            </a:r>
+            <a:r>
+              <a:rPr lang="en-US" dirty="0" smtClean="0">
+                <a:solidFill>
+                  <a:srgbClr val="FFFF00"/>
+                </a:solidFill>
+              </a:rPr>
+              <a:t>.</a:t>
+            </a:r>
+          </a:p>
+          <a:p>
+            <a:r>
               <a:rPr lang="en-US" dirty="0"/>
-              <a:t>﻿School Board in Year 2013 made up 82.66% of Average of GHG Emissions KG.﻿﻿ ﻿﻿</a:t>
-            </a:r>
-            <a:endParaRPr lang="en-US" dirty="0" smtClean="0"/>
-          </a:p>
-          <a:p>
-            <a:r>
-              <a:rPr lang="en-US" dirty="0"/>
-              <a:t>﻿At 43,48,08,151.03, Toronto Mount Sinai Hospital had the highest Average of GHG Emissions KG and was 4,351.01% higher than University of Waterloo, which had the lowest Average of GHG Emissions KG at 97,68,757.68.﻿﻿ ﻿﻿ ﻿</a:t>
-            </a:r>
-            <a:endParaRPr lang="en-US" dirty="0"/>
-          </a:p>
-          <a:p>
-            <a:r>
-              <a:rPr lang="en-US" dirty="0"/>
-              <a:t>﻿﻿ ﻿﻿Across all 10 Organization, Average of GHG Emissions KG ranged from 97,68,757.68 to 43,48,08,151.03.﻿﻿ ﻿﻿ ﻿</a:t>
-            </a:r>
-            <a:endParaRPr lang="en-IN" dirty="0"/>
+              <a:t>Across all 7 sectors, the average annual flow (M) ranges from 0.00 to 1,17,587.10. </a:t>
+            </a:r>
+          </a:p>
+          <a:p>
+            <a:r>
+              <a:rPr lang="en-US" dirty="0">
+                <a:solidFill>
+                  <a:srgbClr val="FFFF00"/>
+                </a:solidFill>
+              </a:rPr>
+              <a:t>This wide range indicates disparities in energy usage across different sectors, with some sectors potentially being more energy-intensive than others</a:t>
+            </a:r>
+            <a:endParaRPr lang="en-IN" dirty="0">
+              <a:solidFill>
+                <a:srgbClr val="FFFF00"/>
+              </a:solidFill>
+            </a:endParaRPr>
           </a:p>
         </p:txBody>
       </p:sp>
     </p:spTree>
     <p:extLst>
       <p:ext uri="{BB962C8B-B14F-4D97-AF65-F5344CB8AC3E}">
-        <p14:creationId xmlns:p14="http://schemas.microsoft.com/office/powerpoint/2010/main" val="1176855621"/>
+        <p14:creationId xmlns:p14="http://schemas.microsoft.com/office/powerpoint/2010/main" val="1452574368"/>
       </p:ext>
     </p:extLst>
   </p:cSld>
   <p:clrMapOvr>
     <a:masterClrMapping/>
   </p:clrMapOvr>
+  <p:timing>
+    <p:tnLst>
+      <p:par>
+        <p:cTn id="1" dur="indefinite" restart="never" nodeType="tmRoot"/>
+      </p:par>
+    </p:tnLst>
+  </p:timing>
 </p:sld>
 </file>
 
@@ -6890,7 +7835,7 @@
             <a:pPr algn="ctr"/>
             <a:r>
               <a:rPr lang="en-US" b="1" dirty="0"/>
-              <a:t>Conclusion</a:t>
+              <a:t>Variability in GHG Emissions Across Organizations</a:t>
             </a:r>
             <a:endParaRPr lang="en-IN" dirty="0"/>
           </a:p>
@@ -6914,67 +7859,114 @@
           <a:lstStyle/>
           <a:p>
             <a:r>
+              <a:rPr lang="en-US" dirty="0" smtClean="0"/>
+              <a:t>There </a:t>
+            </a:r>
+            <a:r>
               <a:rPr lang="en-US" dirty="0"/>
-              <a:t>﻿Street lighting in Year 2015 made up 2.99% of Average of Weekly Average Hours.﻿﻿ ﻿</a:t>
-            </a:r>
-            <a:endParaRPr lang="en-US" dirty="0" smtClean="0"/>
-          </a:p>
-          <a:p>
+              <a:t>is substantial variability in GHG emissions across different organizations, with Toronto Mount Sinai Hospital having the highest average GHG emissions (KG) at 43,48,08,151.03</a:t>
+            </a:r>
             <a:r>
               <a:rPr lang="en-US" dirty="0" smtClean="0"/>
-              <a:t>Public </a:t>
+              <a:t>.</a:t>
+            </a:r>
+          </a:p>
+          <a:p>
+            <a:r>
+              <a:rPr lang="en-US" dirty="0" smtClean="0"/>
+              <a:t>This </a:t>
             </a:r>
             <a:r>
               <a:rPr lang="en-US" dirty="0"/>
-              <a:t>Hospital had the highest Average of Weekly Average Hours and was 108.50% higher than School Board, which had the lowest Average of Weekly Average Hours at 61.11.﻿﻿ ﻿﻿</a:t>
-            </a:r>
-            <a:endParaRPr lang="en-US" dirty="0" smtClean="0"/>
-          </a:p>
-          <a:p>
+              <a:t>is 4,351.01% higher than University of Waterloo, which has the lowest average GHG emissions (KG) at 97,68,757.68</a:t>
+            </a:r>
+            <a:r>
+              <a:rPr lang="en-US" dirty="0" smtClean="0"/>
+              <a:t>.</a:t>
+            </a:r>
+          </a:p>
+          <a:p>
+            <a:r>
+              <a:rPr lang="en-US" dirty="0" smtClean="0"/>
+              <a:t>This </a:t>
+            </a:r>
             <a:r>
               <a:rPr lang="en-US" dirty="0"/>
-              <a:t>﻿﻿﻿Across all 7 Sector, Average of Weekly Average Hours ranged from 61.11 to 127.41.﻿﻿ ﻿﻿ ﻿</a:t>
-            </a:r>
-            <a:endParaRPr lang="en-US" dirty="0" smtClean="0"/>
-          </a:p>
-          <a:p>
+              <a:t>suggests </a:t>
+            </a:r>
+            <a:r>
+              <a:rPr lang="en-US" dirty="0">
+                <a:solidFill>
+                  <a:srgbClr val="FFFF00"/>
+                </a:solidFill>
+              </a:rPr>
+              <a:t>that certain organizations may have higher carbon footprints </a:t>
+            </a:r>
+            <a:r>
+              <a:rPr lang="en-US" dirty="0"/>
+              <a:t>compared to others</a:t>
+            </a:r>
             <a:r>
               <a:rPr lang="en-US" dirty="0" smtClean="0"/>
-              <a:t>At </a:t>
-            </a:r>
+              <a:t>.</a:t>
+            </a:r>
+          </a:p>
+          <a:p>
             <a:r>
               <a:rPr lang="en-US" dirty="0"/>
-              <a:t>97,32,45,745.73, </a:t>
+              <a:t>Certain organizations, such as hospitals and educational institutions, have a significant impact on energy consumption and greenhouse gas emissions</a:t>
             </a:r>
             <a:r>
               <a:rPr lang="en-US" dirty="0" smtClean="0"/>
-              <a:t>Timiskaming </a:t>
+              <a:t>.</a:t>
+            </a:r>
+          </a:p>
+          <a:p>
+            <a:r>
+              <a:rPr lang="en-US" dirty="0" smtClean="0">
+                <a:solidFill>
+                  <a:srgbClr val="FFFF00"/>
+                </a:solidFill>
+              </a:rPr>
+              <a:t>Implementing </a:t>
+            </a:r>
+            <a:r>
+              <a:rPr lang="en-US" dirty="0">
+                <a:solidFill>
+                  <a:srgbClr val="FFFF00"/>
+                </a:solidFill>
+              </a:rPr>
+              <a:t>energy efficiency measures and promoting sustainable practices </a:t>
             </a:r>
             <a:r>
               <a:rPr lang="en-US" dirty="0"/>
-              <a:t>Shores had the highest Average of GHG Emissions KG and was 53,191.52% higher than Weston, which had the lowest Average of GHG Emissions KG at 18,26,267.51.﻿﻿</a:t>
-            </a:r>
-            <a:endParaRPr lang="en-US" dirty="0" smtClean="0"/>
-          </a:p>
-          <a:p>
-            <a:r>
-              <a:rPr lang="en-US" dirty="0"/>
-              <a:t>﻿﻿Across all 10 City, Average of GHG Emissions KG ranged from 18,26,267.51 to 97,32,45,745.73.﻿﻿ ﻿﻿ ﻿</a:t>
-            </a:r>
-            <a:endParaRPr lang="en-IN" dirty="0"/>
+              <a:t>in these organizations can lead to substantial reductions in emissions.</a:t>
+            </a:r>
+            <a:endParaRPr lang="en-IN" dirty="0">
+              <a:solidFill>
+                <a:srgbClr val="FFFF00"/>
+              </a:solidFill>
+            </a:endParaRPr>
           </a:p>
         </p:txBody>
       </p:sp>
     </p:spTree>
     <p:extLst>
       <p:ext uri="{BB962C8B-B14F-4D97-AF65-F5344CB8AC3E}">
-        <p14:creationId xmlns:p14="http://schemas.microsoft.com/office/powerpoint/2010/main" val="2847537909"/>
+        <p14:creationId xmlns:p14="http://schemas.microsoft.com/office/powerpoint/2010/main" val="606636070"/>
       </p:ext>
     </p:extLst>
   </p:cSld>
   <p:clrMapOvr>
     <a:masterClrMapping/>
   </p:clrMapOvr>
+  <p:timing>
+    <p:tnLst>
+      <p:par>
+        <p:cTn id="1" dur="indefinite" restart="never" nodeType="tmRoot"/>
+      </p:par>
+    </p:tnLst>
+  </p:timing>
 </p:sld>
 </file>
 
